--- a/prsentazione_DOCKER.pptx
+++ b/prsentazione_DOCKER.pptx
@@ -10,6 +10,9 @@
     <p:sldId id="258" r:id="rId4"/>
     <p:sldId id="259" r:id="rId5"/>
     <p:sldId id="260" r:id="rId6"/>
+    <p:sldId id="261" r:id="rId7"/>
+    <p:sldId id="262" r:id="rId8"/>
+    <p:sldId id="263" r:id="rId9"/>
   </p:sldIdLst>
   <p:sldSz cx="12192000" cy="6858000"/>
   <p:notesSz cx="6858000" cy="9144000"/>
@@ -12601,8 +12604,8 @@
         </p:nvSpPr>
         <p:spPr>
           <a:xfrm flipH="1">
-            <a:off x="2539514" y="2211007"/>
-            <a:ext cx="7627574" cy="4028475"/>
+            <a:off x="2528155" y="1909994"/>
+            <a:ext cx="7627574" cy="5419176"/>
           </a:xfrm>
           <a:prstGeom prst="rect">
             <a:avLst/>
@@ -12701,7 +12704,7 @@
                 <a:ea typeface="Calibri" panose="020F0502020204030204" pitchFamily="34" charset="0"/>
                 <a:cs typeface="Times New Roman" panose="02020603050405020304" pitchFamily="18" charset="0"/>
               </a:rPr>
-              <a:t>CONTAINER E IMAGES</a:t>
+              <a:t>CONTAINER E IMAGES (LAYERS)</a:t>
             </a:r>
           </a:p>
           <a:p>
@@ -12737,7 +12740,7 @@
                 <a:ea typeface="Calibri" panose="020F0502020204030204" pitchFamily="34" charset="0"/>
                 <a:cs typeface="Times New Roman" panose="02020603050405020304" pitchFamily="18" charset="0"/>
               </a:rPr>
-              <a:t>DOCKERFILE E I COMANDI AL SUO INTERNO</a:t>
+              <a:t>DOCKERFILE E I PRINCIPALI COMANDI</a:t>
             </a:r>
           </a:p>
           <a:p>
@@ -12776,8 +12779,66 @@
                 <a:ea typeface="Calibri" panose="020F0502020204030204" pitchFamily="34" charset="0"/>
                 <a:cs typeface="Times New Roman" panose="02020603050405020304" pitchFamily="18" charset="0"/>
               </a:rPr>
-              <a:t>BUILDING DELLE IMMAGINI</a:t>
-            </a:r>
+              <a:t>BUILDING DELLE IMMAGINI (Link ai componenti: </a:t>
+            </a:r>
+            <a:r>
+              <a:rPr lang="it-IT" sz="2400" dirty="0">
+                <a:effectLst/>
+                <a:latin typeface="Calibri" panose="020F0502020204030204" pitchFamily="34" charset="0"/>
+                <a:ea typeface="Calibri" panose="020F0502020204030204" pitchFamily="34" charset="0"/>
+                <a:cs typeface="Times New Roman" panose="02020603050405020304" pitchFamily="18" charset="0"/>
+                <a:hlinkClick r:id="rId2"/>
+              </a:rPr>
+              <a:t>https://index.docker.io/search?q=&amp;type=image</a:t>
+            </a:r>
+            <a:r>
+              <a:rPr lang="it-IT" sz="2400" dirty="0">
+                <a:effectLst/>
+                <a:latin typeface="Calibri" panose="020F0502020204030204" pitchFamily="34" charset="0"/>
+                <a:ea typeface="Calibri" panose="020F0502020204030204" pitchFamily="34" charset="0"/>
+                <a:cs typeface="Times New Roman" panose="02020603050405020304" pitchFamily="18" charset="0"/>
+              </a:rPr>
+              <a:t>)</a:t>
+            </a:r>
+          </a:p>
+          <a:p>
+            <a:pPr marL="342900" lvl="0" indent="-342900">
+              <a:lnSpc>
+                <a:spcPct val="107000"/>
+              </a:lnSpc>
+              <a:spcAft>
+                <a:spcPts val="800"/>
+              </a:spcAft>
+              <a:buFont typeface="+mj-lt"/>
+              <a:buAutoNum type="arabicPeriod"/>
+            </a:pPr>
+            <a:r>
+              <a:rPr lang="it-IT" sz="2400" dirty="0">
+                <a:effectLst/>
+                <a:latin typeface="Calibri" panose="020F0502020204030204" pitchFamily="34" charset="0"/>
+                <a:ea typeface="Calibri" panose="020F0502020204030204" pitchFamily="34" charset="0"/>
+                <a:cs typeface="Times New Roman" panose="02020603050405020304" pitchFamily="18" charset="0"/>
+              </a:rPr>
+              <a:t>DOCKER VS VM</a:t>
+            </a:r>
+          </a:p>
+          <a:p>
+            <a:pPr marL="342900" lvl="0" indent="-342900">
+              <a:lnSpc>
+                <a:spcPct val="107000"/>
+              </a:lnSpc>
+              <a:spcAft>
+                <a:spcPts val="800"/>
+              </a:spcAft>
+              <a:buFont typeface="+mj-lt"/>
+              <a:buAutoNum type="arabicPeriod"/>
+            </a:pPr>
+            <a:endParaRPr lang="it-IT" sz="2400" dirty="0">
+              <a:effectLst/>
+              <a:latin typeface="Calibri" panose="020F0502020204030204" pitchFamily="34" charset="0"/>
+              <a:ea typeface="Calibri" panose="020F0502020204030204" pitchFamily="34" charset="0"/>
+              <a:cs typeface="Times New Roman" panose="02020603050405020304" pitchFamily="18" charset="0"/>
+            </a:endParaRPr>
           </a:p>
           <a:p>
             <a:endParaRPr lang="it-IT" dirty="0"/>
@@ -12799,7 +12860,7 @@
           <p:nvPr/>
         </p:nvPicPr>
         <p:blipFill>
-          <a:blip r:embed="rId2"/>
+          <a:blip r:embed="rId3"/>
           <a:stretch>
             <a:fillRect/>
           </a:stretch>
@@ -12924,8 +12985,8 @@
         </p:nvSpPr>
         <p:spPr>
           <a:xfrm>
-            <a:off x="3622568" y="1871010"/>
-            <a:ext cx="4460387" cy="461665"/>
+            <a:off x="1368761" y="1871010"/>
+            <a:ext cx="7126010" cy="1200329"/>
           </a:xfrm>
           <a:prstGeom prst="rect">
             <a:avLst/>
@@ -12940,188 +13001,16 @@
           <a:p>
             <a:r>
               <a:rPr lang="it-IT" sz="2400" dirty="0"/>
-              <a:t>Piattaforma open source per</a:t>
-            </a:r>
-          </a:p>
-        </p:txBody>
-      </p:sp>
-      <p:sp>
-        <p:nvSpPr>
-          <p:cNvPr id="4" name="CasellaDiTesto 3">
-            <a:extLst>
-              <a:ext uri="{FF2B5EF4-FFF2-40B4-BE49-F238E27FC236}">
-                <a16:creationId xmlns:a16="http://schemas.microsoft.com/office/drawing/2014/main" id="{7FC9A3B4-ECB2-4B8E-BA74-F5D499DC382F}"/>
-              </a:ext>
-            </a:extLst>
-          </p:cNvPr>
-          <p:cNvSpPr txBox="1"/>
-          <p:nvPr/>
-        </p:nvSpPr>
-        <p:spPr>
-          <a:xfrm>
-            <a:off x="2932542" y="3617839"/>
-            <a:ext cx="1738095" cy="646331"/>
-          </a:xfrm>
-          <a:prstGeom prst="rect">
-            <a:avLst/>
-          </a:prstGeom>
-          <a:noFill/>
-        </p:spPr>
-        <p:txBody>
-          <a:bodyPr wrap="square" rtlCol="0">
-            <a:spAutoFit/>
-          </a:bodyPr>
-          <a:lstStyle/>
-          <a:p>
-            <a:r>
-              <a:rPr lang="it-IT" dirty="0"/>
-              <a:t>DEVELOPMENT</a:t>
-            </a:r>
-          </a:p>
-          <a:p>
-            <a:r>
-              <a:rPr lang="it-IT" dirty="0" err="1"/>
-              <a:t>application</a:t>
-            </a:r>
-            <a:endParaRPr lang="it-IT" dirty="0"/>
-          </a:p>
-        </p:txBody>
-      </p:sp>
-      <p:sp>
-        <p:nvSpPr>
-          <p:cNvPr id="5" name="CasellaDiTesto 4">
-            <a:extLst>
-              <a:ext uri="{FF2B5EF4-FFF2-40B4-BE49-F238E27FC236}">
-                <a16:creationId xmlns:a16="http://schemas.microsoft.com/office/drawing/2014/main" id="{43A42EB1-BC83-4C1F-84A2-A1A70646AB6B}"/>
-              </a:ext>
-            </a:extLst>
-          </p:cNvPr>
-          <p:cNvSpPr txBox="1"/>
-          <p:nvPr/>
-        </p:nvSpPr>
-        <p:spPr>
-          <a:xfrm>
-            <a:off x="4983713" y="3617839"/>
-            <a:ext cx="1738095" cy="646331"/>
-          </a:xfrm>
-          <a:prstGeom prst="rect">
-            <a:avLst/>
-          </a:prstGeom>
-          <a:noFill/>
-        </p:spPr>
-        <p:txBody>
-          <a:bodyPr wrap="square" rtlCol="0">
-            <a:spAutoFit/>
-          </a:bodyPr>
-          <a:lstStyle/>
-          <a:p>
-            <a:r>
-              <a:rPr lang="it-IT" dirty="0"/>
-              <a:t>DEPLOYMENT</a:t>
-            </a:r>
-          </a:p>
-          <a:p>
-            <a:r>
-              <a:rPr lang="it-IT" dirty="0" err="1"/>
-              <a:t>application</a:t>
-            </a:r>
-            <a:endParaRPr lang="it-IT" dirty="0"/>
-          </a:p>
-        </p:txBody>
-      </p:sp>
-      <p:sp>
-        <p:nvSpPr>
-          <p:cNvPr id="6" name="CasellaDiTesto 5">
-            <a:extLst>
-              <a:ext uri="{FF2B5EF4-FFF2-40B4-BE49-F238E27FC236}">
-                <a16:creationId xmlns:a16="http://schemas.microsoft.com/office/drawing/2014/main" id="{AEA58C7A-D145-4978-8B0D-C8194C1F2B48}"/>
-              </a:ext>
-            </a:extLst>
-          </p:cNvPr>
-          <p:cNvSpPr txBox="1"/>
-          <p:nvPr/>
-        </p:nvSpPr>
-        <p:spPr>
-          <a:xfrm>
-            <a:off x="6847846" y="3617839"/>
-            <a:ext cx="1738095" cy="646331"/>
-          </a:xfrm>
-          <a:prstGeom prst="rect">
-            <a:avLst/>
-          </a:prstGeom>
-          <a:noFill/>
-        </p:spPr>
-        <p:txBody>
-          <a:bodyPr wrap="square" rtlCol="0">
-            <a:spAutoFit/>
-          </a:bodyPr>
-          <a:lstStyle/>
-          <a:p>
-            <a:r>
-              <a:rPr lang="it-IT" dirty="0"/>
-              <a:t>RUNNING</a:t>
-            </a:r>
-          </a:p>
-          <a:p>
-            <a:r>
-              <a:rPr lang="it-IT" dirty="0" err="1"/>
-              <a:t>application</a:t>
-            </a:r>
-            <a:endParaRPr lang="it-IT" dirty="0"/>
-          </a:p>
-        </p:txBody>
-      </p:sp>
-      <p:sp>
-        <p:nvSpPr>
-          <p:cNvPr id="10" name="Freccia in giù 9">
-            <a:extLst>
-              <a:ext uri="{FF2B5EF4-FFF2-40B4-BE49-F238E27FC236}">
-                <a16:creationId xmlns:a16="http://schemas.microsoft.com/office/drawing/2014/main" id="{D9CE4099-48E3-482F-BC0C-77FC314916F4}"/>
-              </a:ext>
-            </a:extLst>
-          </p:cNvPr>
-          <p:cNvSpPr/>
-          <p:nvPr/>
-        </p:nvSpPr>
-        <p:spPr>
-          <a:xfrm>
-            <a:off x="5233737" y="2467344"/>
-            <a:ext cx="488438" cy="955136"/>
-          </a:xfrm>
-          <a:prstGeom prst="downArrow">
-            <a:avLst/>
-          </a:prstGeom>
-          <a:solidFill>
-            <a:schemeClr val="tx1"/>
-          </a:solidFill>
-          <a:ln>
-            <a:solidFill>
-              <a:schemeClr val="tx1"/>
-            </a:solidFill>
-          </a:ln>
-        </p:spPr>
-        <p:style>
-          <a:lnRef idx="2">
-            <a:schemeClr val="accent1">
-              <a:shade val="50000"/>
-            </a:schemeClr>
-          </a:lnRef>
-          <a:fillRef idx="1">
-            <a:schemeClr val="accent1"/>
-          </a:fillRef>
-          <a:effectRef idx="0">
-            <a:schemeClr val="accent1"/>
-          </a:effectRef>
-          <a:fontRef idx="minor">
-            <a:schemeClr val="lt1"/>
-          </a:fontRef>
-        </p:style>
-        <p:txBody>
-          <a:bodyPr rtlCol="0" anchor="ctr"/>
-          <a:lstStyle/>
-          <a:p>
-            <a:pPr algn="ctr"/>
-            <a:endParaRPr lang="it-IT"/>
+              <a:t>Progetto open source per l’automatizzazione e la distribuzione di applicazioni sotto forma di </a:t>
+            </a:r>
+            <a:r>
+              <a:rPr lang="it-IT" sz="2400" b="1" dirty="0"/>
+              <a:t>container</a:t>
+            </a:r>
+            <a:r>
+              <a:rPr lang="it-IT" sz="2400" dirty="0"/>
+              <a:t> eseguibili su cloud privati e pubblici e in locale</a:t>
+            </a:r>
           </a:p>
         </p:txBody>
       </p:sp>
@@ -13155,95 +13044,6 @@
           </a:prstGeom>
         </p:spPr>
       </p:pic>
-      <p:sp>
-        <p:nvSpPr>
-          <p:cNvPr id="15" name="CasellaDiTesto 14">
-            <a:extLst>
-              <a:ext uri="{FF2B5EF4-FFF2-40B4-BE49-F238E27FC236}">
-                <a16:creationId xmlns:a16="http://schemas.microsoft.com/office/drawing/2014/main" id="{4B4F57E0-9767-4404-A5D3-DA01743B365F}"/>
-              </a:ext>
-            </a:extLst>
-          </p:cNvPr>
-          <p:cNvSpPr txBox="1"/>
-          <p:nvPr/>
-        </p:nvSpPr>
-        <p:spPr>
-          <a:xfrm>
-            <a:off x="3693678" y="5656319"/>
-            <a:ext cx="4460387" cy="461665"/>
-          </a:xfrm>
-          <a:prstGeom prst="rect">
-            <a:avLst/>
-          </a:prstGeom>
-          <a:noFill/>
-        </p:spPr>
-        <p:txBody>
-          <a:bodyPr wrap="square" rtlCol="0">
-            <a:spAutoFit/>
-          </a:bodyPr>
-          <a:lstStyle/>
-          <a:p>
-            <a:r>
-              <a:rPr lang="it-IT" sz="2400" dirty="0"/>
-              <a:t>Tramite utilizzo di container</a:t>
-            </a:r>
-          </a:p>
-        </p:txBody>
-      </p:sp>
-      <p:sp>
-        <p:nvSpPr>
-          <p:cNvPr id="16" name="Freccia in giù 15">
-            <a:extLst>
-              <a:ext uri="{FF2B5EF4-FFF2-40B4-BE49-F238E27FC236}">
-                <a16:creationId xmlns:a16="http://schemas.microsoft.com/office/drawing/2014/main" id="{C8F36A9D-324E-4068-B947-26533FFA76AB}"/>
-              </a:ext>
-            </a:extLst>
-          </p:cNvPr>
-          <p:cNvSpPr/>
-          <p:nvPr/>
-        </p:nvSpPr>
-        <p:spPr>
-          <a:xfrm>
-            <a:off x="5233737" y="4459529"/>
-            <a:ext cx="488438" cy="955136"/>
-          </a:xfrm>
-          <a:prstGeom prst="downArrow">
-            <a:avLst/>
-          </a:prstGeom>
-          <a:solidFill>
-            <a:schemeClr val="tx1"/>
-          </a:solidFill>
-          <a:ln>
-            <a:solidFill>
-              <a:schemeClr val="tx1"/>
-            </a:solidFill>
-          </a:ln>
-        </p:spPr>
-        <p:style>
-          <a:lnRef idx="2">
-            <a:schemeClr val="accent1">
-              <a:shade val="50000"/>
-            </a:schemeClr>
-          </a:lnRef>
-          <a:fillRef idx="1">
-            <a:schemeClr val="accent1"/>
-          </a:fillRef>
-          <a:effectRef idx="0">
-            <a:schemeClr val="accent1"/>
-          </a:effectRef>
-          <a:fontRef idx="minor">
-            <a:schemeClr val="lt1"/>
-          </a:fontRef>
-        </p:style>
-        <p:txBody>
-          <a:bodyPr rtlCol="0" anchor="ctr"/>
-          <a:lstStyle/>
-          <a:p>
-            <a:pPr algn="ctr"/>
-            <a:endParaRPr lang="it-IT"/>
-          </a:p>
-        </p:txBody>
-      </p:sp>
     </p:spTree>
     <p:extLst>
       <p:ext uri="{BB962C8B-B14F-4D97-AF65-F5344CB8AC3E}">
@@ -13348,7 +13148,7 @@
         </p:blipFill>
         <p:spPr>
           <a:xfrm>
-            <a:off x="7008770" y="2097088"/>
+            <a:off x="7787639" y="1904672"/>
             <a:ext cx="3259772" cy="2604008"/>
           </a:xfrm>
           <a:prstGeom prst="rect">
@@ -13370,7 +13170,7 @@
         </p:nvSpPr>
         <p:spPr>
           <a:xfrm>
-            <a:off x="1005272" y="2235730"/>
+            <a:off x="1632857" y="2228671"/>
             <a:ext cx="5406887" cy="1200329"/>
           </a:xfrm>
           <a:prstGeom prst="rect">
@@ -13405,7 +13205,7 @@
         </p:nvSpPr>
         <p:spPr>
           <a:xfrm>
-            <a:off x="3526971" y="3574701"/>
+            <a:off x="2078698" y="3735581"/>
             <a:ext cx="687220" cy="1062067"/>
           </a:xfrm>
           <a:prstGeom prst="downArrow">
@@ -13489,7 +13289,7 @@
         </p:nvSpPr>
         <p:spPr>
           <a:xfrm>
-            <a:off x="2794315" y="4924931"/>
+            <a:off x="1516426" y="4953328"/>
             <a:ext cx="3055573" cy="1200329"/>
           </a:xfrm>
           <a:prstGeom prst="rect">
@@ -13531,6 +13331,99 @@
               <a:rPr lang="it-IT" sz="2400" dirty="0"/>
               <a:t>Leggero</a:t>
             </a:r>
+          </a:p>
+        </p:txBody>
+      </p:sp>
+      <p:sp>
+        <p:nvSpPr>
+          <p:cNvPr id="12" name="CasellaDiTesto 11">
+            <a:extLst>
+              <a:ext uri="{FF2B5EF4-FFF2-40B4-BE49-F238E27FC236}">
+                <a16:creationId xmlns:a16="http://schemas.microsoft.com/office/drawing/2014/main" id="{A81396DB-6204-4FC9-9925-C3B3F692280D}"/>
+              </a:ext>
+            </a:extLst>
+          </p:cNvPr>
+          <p:cNvSpPr txBox="1"/>
+          <p:nvPr/>
+        </p:nvSpPr>
+        <p:spPr>
+          <a:xfrm>
+            <a:off x="4765104" y="4953328"/>
+            <a:ext cx="4549281" cy="1200329"/>
+          </a:xfrm>
+          <a:prstGeom prst="rect">
+            <a:avLst/>
+          </a:prstGeom>
+          <a:noFill/>
+        </p:spPr>
+        <p:txBody>
+          <a:bodyPr wrap="square" rtlCol="0">
+            <a:spAutoFit/>
+          </a:bodyPr>
+          <a:lstStyle/>
+          <a:p>
+            <a:r>
+              <a:rPr lang="it-IT" sz="2400" dirty="0"/>
+              <a:t>Tutte le istruzioni per il funzionamento di un container sono definite nella sua </a:t>
+            </a:r>
+            <a:r>
+              <a:rPr lang="it-IT" sz="2400" b="1" dirty="0"/>
+              <a:t>immagine</a:t>
+            </a:r>
+          </a:p>
+        </p:txBody>
+      </p:sp>
+      <p:sp>
+        <p:nvSpPr>
+          <p:cNvPr id="13" name="Freccia in giù 12">
+            <a:extLst>
+              <a:ext uri="{FF2B5EF4-FFF2-40B4-BE49-F238E27FC236}">
+                <a16:creationId xmlns:a16="http://schemas.microsoft.com/office/drawing/2014/main" id="{44482FF6-F6ED-44EE-988F-D17B7467D2DE}"/>
+              </a:ext>
+            </a:extLst>
+          </p:cNvPr>
+          <p:cNvSpPr/>
+          <p:nvPr/>
+        </p:nvSpPr>
+        <p:spPr>
+          <a:xfrm>
+            <a:off x="5235555" y="3720455"/>
+            <a:ext cx="687220" cy="1062067"/>
+          </a:xfrm>
+          <a:prstGeom prst="downArrow">
+            <a:avLst/>
+          </a:prstGeom>
+          <a:solidFill>
+            <a:schemeClr val="tx1"/>
+          </a:solidFill>
+          <a:ln>
+            <a:solidFill>
+              <a:schemeClr val="tx1"/>
+            </a:solidFill>
+          </a:ln>
+        </p:spPr>
+        <p:style>
+          <a:lnRef idx="2">
+            <a:schemeClr val="accent1">
+              <a:shade val="50000"/>
+            </a:schemeClr>
+          </a:lnRef>
+          <a:fillRef idx="1">
+            <a:schemeClr val="accent1"/>
+          </a:fillRef>
+          <a:effectRef idx="0">
+            <a:schemeClr val="accent1"/>
+          </a:effectRef>
+          <a:fontRef idx="minor">
+            <a:schemeClr val="lt1"/>
+          </a:fontRef>
+        </p:style>
+        <p:txBody>
+          <a:bodyPr rtlCol="0" anchor="ctr"/>
+          <a:lstStyle/>
+          <a:p>
+            <a:pPr algn="ctr"/>
+            <a:endParaRPr lang="it-IT"/>
           </a:p>
         </p:txBody>
       </p:sp>
@@ -13586,18 +13479,39 @@
           <a:lstStyle/>
           <a:p>
             <a:r>
+              <a:rPr lang="it-IT" dirty="0">
+                <a:latin typeface="Calibri" panose="020F0502020204030204" pitchFamily="34" charset="0"/>
+                <a:cs typeface="Calibri" panose="020F0502020204030204" pitchFamily="34" charset="0"/>
+              </a:rPr>
+              <a:t>Cosa </a:t>
+            </a:r>
+            <a:r>
               <a:rPr lang="it-IT" dirty="0" err="1">
                 <a:latin typeface="Calibri" panose="020F0502020204030204" pitchFamily="34" charset="0"/>
                 <a:cs typeface="Calibri" panose="020F0502020204030204" pitchFamily="34" charset="0"/>
               </a:rPr>
-              <a:t>COMe</a:t>
+              <a:t>e’</a:t>
             </a:r>
             <a:r>
               <a:rPr lang="it-IT" dirty="0">
                 <a:latin typeface="Calibri" panose="020F0502020204030204" pitchFamily="34" charset="0"/>
                 <a:cs typeface="Calibri" panose="020F0502020204030204" pitchFamily="34" charset="0"/>
               </a:rPr>
-              <a:t> si genera un container?</a:t>
+              <a:t> un’immagine </a:t>
+            </a:r>
+            <a:r>
+              <a:rPr lang="it-IT" dirty="0" err="1">
+                <a:latin typeface="Calibri" panose="020F0502020204030204" pitchFamily="34" charset="0"/>
+                <a:cs typeface="Calibri" panose="020F0502020204030204" pitchFamily="34" charset="0"/>
+              </a:rPr>
+              <a:t>docker</a:t>
+            </a:r>
+            <a:r>
+              <a:rPr lang="it-IT" dirty="0">
+                <a:latin typeface="Calibri" panose="020F0502020204030204" pitchFamily="34" charset="0"/>
+                <a:cs typeface="Calibri" panose="020F0502020204030204" pitchFamily="34" charset="0"/>
+              </a:rPr>
+              <a:t>?</a:t>
             </a:r>
           </a:p>
         </p:txBody>
@@ -13616,8 +13530,8 @@
         </p:nvSpPr>
         <p:spPr>
           <a:xfrm>
-            <a:off x="4208511" y="2681625"/>
-            <a:ext cx="687220" cy="1062067"/>
+            <a:off x="2529409" y="4077874"/>
+            <a:ext cx="687220" cy="738737"/>
           </a:xfrm>
           <a:prstGeom prst="downArrow">
             <a:avLst/>
@@ -13678,7 +13592,7 @@
         </p:blipFill>
         <p:spPr>
           <a:xfrm>
-            <a:off x="10086798" y="33981"/>
+            <a:off x="10086798" y="102141"/>
             <a:ext cx="1412776" cy="1169073"/>
           </a:xfrm>
           <a:prstGeom prst="rect">
@@ -13686,10 +13600,703 @@
           </a:prstGeom>
         </p:spPr>
       </p:pic>
+      <p:pic>
+        <p:nvPicPr>
+          <p:cNvPr id="4" name="Immagine 3">
+            <a:extLst>
+              <a:ext uri="{FF2B5EF4-FFF2-40B4-BE49-F238E27FC236}">
+                <a16:creationId xmlns:a16="http://schemas.microsoft.com/office/drawing/2014/main" id="{489EEF3E-7ED3-4F2F-A833-47336C91D475}"/>
+              </a:ext>
+            </a:extLst>
+          </p:cNvPr>
+          <p:cNvPicPr>
+            <a:picLocks noChangeAspect="1"/>
+          </p:cNvPicPr>
+          <p:nvPr/>
+        </p:nvPicPr>
+        <p:blipFill rotWithShape="1">
+          <a:blip r:embed="rId3"/>
+          <a:srcRect l="35783" t="23871" r="2815" b="14614"/>
+          <a:stretch/>
+        </p:blipFill>
+        <p:spPr>
+          <a:xfrm>
+            <a:off x="5898008" y="2209327"/>
+            <a:ext cx="5416340" cy="2687298"/>
+          </a:xfrm>
+          <a:prstGeom prst="rect">
+            <a:avLst/>
+          </a:prstGeom>
+        </p:spPr>
+      </p:pic>
+      <p:sp>
+        <p:nvSpPr>
+          <p:cNvPr id="5" name="CasellaDiTesto 4">
+            <a:extLst>
+              <a:ext uri="{FF2B5EF4-FFF2-40B4-BE49-F238E27FC236}">
+                <a16:creationId xmlns:a16="http://schemas.microsoft.com/office/drawing/2014/main" id="{12414A23-1D62-42FF-BCEF-5BA5F286CD16}"/>
+              </a:ext>
+            </a:extLst>
+          </p:cNvPr>
+          <p:cNvSpPr txBox="1"/>
+          <p:nvPr/>
+        </p:nvSpPr>
+        <p:spPr>
+          <a:xfrm>
+            <a:off x="834887" y="2118445"/>
+            <a:ext cx="4554961" cy="1938992"/>
+          </a:xfrm>
+          <a:prstGeom prst="rect">
+            <a:avLst/>
+          </a:prstGeom>
+          <a:noFill/>
+        </p:spPr>
+        <p:txBody>
+          <a:bodyPr wrap="square" rtlCol="0">
+            <a:spAutoFit/>
+          </a:bodyPr>
+          <a:lstStyle/>
+          <a:p>
+            <a:r>
+              <a:rPr lang="it-IT" sz="2400" dirty="0"/>
+              <a:t>E’ un file che viene utilizzato da Docker per creare un Container (un’istanza dell’immagine che eseguirà l’applicazione in essa contenuta)</a:t>
+            </a:r>
+          </a:p>
+        </p:txBody>
+      </p:sp>
+      <p:sp>
+        <p:nvSpPr>
+          <p:cNvPr id="10" name="CasellaDiTesto 9">
+            <a:extLst>
+              <a:ext uri="{FF2B5EF4-FFF2-40B4-BE49-F238E27FC236}">
+                <a16:creationId xmlns:a16="http://schemas.microsoft.com/office/drawing/2014/main" id="{C5843536-1A08-4818-BE2C-DD1BBB7EF7D4}"/>
+              </a:ext>
+            </a:extLst>
+          </p:cNvPr>
+          <p:cNvSpPr txBox="1"/>
+          <p:nvPr/>
+        </p:nvSpPr>
+        <p:spPr>
+          <a:xfrm>
+            <a:off x="1215414" y="4896625"/>
+            <a:ext cx="3498574" cy="1200329"/>
+          </a:xfrm>
+          <a:prstGeom prst="rect">
+            <a:avLst/>
+          </a:prstGeom>
+          <a:noFill/>
+        </p:spPr>
+        <p:txBody>
+          <a:bodyPr wrap="square" rtlCol="0">
+            <a:spAutoFit/>
+          </a:bodyPr>
+          <a:lstStyle/>
+          <a:p>
+            <a:r>
+              <a:rPr lang="it-IT" sz="2400" dirty="0"/>
+              <a:t>Un insieme di immagini correlate è contenuto in un repository </a:t>
+            </a:r>
+            <a:r>
+              <a:rPr lang="it-IT" sz="2400" dirty="0" err="1"/>
+              <a:t>docker</a:t>
+            </a:r>
+            <a:endParaRPr lang="it-IT" sz="2400" dirty="0"/>
+          </a:p>
+        </p:txBody>
+      </p:sp>
     </p:spTree>
     <p:extLst>
       <p:ext uri="{BB962C8B-B14F-4D97-AF65-F5344CB8AC3E}">
         <p14:creationId xmlns:p14="http://schemas.microsoft.com/office/powerpoint/2010/main" val="3449133639"/>
+      </p:ext>
+    </p:extLst>
+  </p:cSld>
+  <p:clrMapOvr>
+    <a:masterClrMapping/>
+  </p:clrMapOvr>
+</p:sld>
+</file>
+
+<file path=ppt/slides/slide6.xml><?xml version="1.0" encoding="utf-8"?>
+<p:sld xmlns:a="http://schemas.openxmlformats.org/drawingml/2006/main" xmlns:r="http://schemas.openxmlformats.org/officeDocument/2006/relationships" xmlns:p="http://schemas.openxmlformats.org/presentationml/2006/main">
+  <p:cSld>
+    <p:spTree>
+      <p:nvGrpSpPr>
+        <p:cNvPr id="1" name=""/>
+        <p:cNvGrpSpPr/>
+        <p:nvPr/>
+      </p:nvGrpSpPr>
+      <p:grpSpPr>
+        <a:xfrm>
+          <a:off x="0" y="0"/>
+          <a:ext cx="0" cy="0"/>
+          <a:chOff x="0" y="0"/>
+          <a:chExt cx="0" cy="0"/>
+        </a:xfrm>
+      </p:grpSpPr>
+      <p:sp>
+        <p:nvSpPr>
+          <p:cNvPr id="2" name="Titolo 1">
+            <a:extLst>
+              <a:ext uri="{FF2B5EF4-FFF2-40B4-BE49-F238E27FC236}">
+                <a16:creationId xmlns:a16="http://schemas.microsoft.com/office/drawing/2014/main" id="{FF946D09-C2C2-4E28-B119-8DF0640FF180}"/>
+              </a:ext>
+            </a:extLst>
+          </p:cNvPr>
+          <p:cNvSpPr>
+            <a:spLocks noGrp="1"/>
+          </p:cNvSpPr>
+          <p:nvPr>
+            <p:ph type="title"/>
+          </p:nvPr>
+        </p:nvSpPr>
+        <p:spPr>
+          <a:xfrm>
+            <a:off x="1141413" y="618518"/>
+            <a:ext cx="9905998" cy="966063"/>
+          </a:xfrm>
+        </p:spPr>
+        <p:txBody>
+          <a:bodyPr/>
+          <a:lstStyle/>
+          <a:p>
+            <a:r>
+              <a:rPr lang="it-IT" dirty="0" err="1">
+                <a:latin typeface="Calibri" panose="020F0502020204030204" pitchFamily="34" charset="0"/>
+                <a:cs typeface="Calibri" panose="020F0502020204030204" pitchFamily="34" charset="0"/>
+              </a:rPr>
+              <a:t>PERche</a:t>
+            </a:r>
+            <a:r>
+              <a:rPr lang="it-IT" dirty="0">
+                <a:latin typeface="Calibri" panose="020F0502020204030204" pitchFamily="34" charset="0"/>
+                <a:cs typeface="Calibri" panose="020F0502020204030204" pitchFamily="34" charset="0"/>
+              </a:rPr>
+              <a:t>’ si usa?</a:t>
+            </a:r>
+          </a:p>
+        </p:txBody>
+      </p:sp>
+      <p:pic>
+        <p:nvPicPr>
+          <p:cNvPr id="9" name="Immagine 8">
+            <a:extLst>
+              <a:ext uri="{FF2B5EF4-FFF2-40B4-BE49-F238E27FC236}">
+                <a16:creationId xmlns:a16="http://schemas.microsoft.com/office/drawing/2014/main" id="{FEB5DEA8-0513-4F71-AC43-6C50E6EDAEFF}"/>
+              </a:ext>
+            </a:extLst>
+          </p:cNvPr>
+          <p:cNvPicPr>
+            <a:picLocks noChangeAspect="1"/>
+          </p:cNvPicPr>
+          <p:nvPr/>
+        </p:nvPicPr>
+        <p:blipFill>
+          <a:blip r:embed="rId2"/>
+          <a:stretch>
+            <a:fillRect/>
+          </a:stretch>
+        </p:blipFill>
+        <p:spPr>
+          <a:xfrm>
+            <a:off x="10086798" y="102141"/>
+            <a:ext cx="1412776" cy="1169073"/>
+          </a:xfrm>
+          <a:prstGeom prst="rect">
+            <a:avLst/>
+          </a:prstGeom>
+        </p:spPr>
+      </p:pic>
+      <p:sp>
+        <p:nvSpPr>
+          <p:cNvPr id="5" name="CasellaDiTesto 4">
+            <a:extLst>
+              <a:ext uri="{FF2B5EF4-FFF2-40B4-BE49-F238E27FC236}">
+                <a16:creationId xmlns:a16="http://schemas.microsoft.com/office/drawing/2014/main" id="{12414A23-1D62-42FF-BCEF-5BA5F286CD16}"/>
+              </a:ext>
+            </a:extLst>
+          </p:cNvPr>
+          <p:cNvSpPr txBox="1"/>
+          <p:nvPr/>
+        </p:nvSpPr>
+        <p:spPr>
+          <a:xfrm>
+            <a:off x="950608" y="1469539"/>
+            <a:ext cx="9768745" cy="4893647"/>
+          </a:xfrm>
+          <a:prstGeom prst="rect">
+            <a:avLst/>
+          </a:prstGeom>
+          <a:noFill/>
+        </p:spPr>
+        <p:txBody>
+          <a:bodyPr wrap="square" rtlCol="0">
+            <a:spAutoFit/>
+          </a:bodyPr>
+          <a:lstStyle/>
+          <a:p>
+            <a:pPr marL="342900" indent="-342900">
+              <a:lnSpc>
+                <a:spcPct val="150000"/>
+              </a:lnSpc>
+              <a:buFont typeface="Wingdings" panose="05000000000000000000" pitchFamily="2" charset="2"/>
+              <a:buChar char="v"/>
+            </a:pPr>
+            <a:r>
+              <a:rPr lang="it-IT" sz="2400" dirty="0"/>
+              <a:t>Semplifica il ciclo di vita di un software</a:t>
+            </a:r>
+          </a:p>
+          <a:p>
+            <a:pPr marL="342900" indent="-342900">
+              <a:lnSpc>
+                <a:spcPct val="150000"/>
+              </a:lnSpc>
+              <a:buFont typeface="Wingdings" panose="05000000000000000000" pitchFamily="2" charset="2"/>
+              <a:buChar char="v"/>
+            </a:pPr>
+            <a:r>
+              <a:rPr lang="it-IT" sz="2400" dirty="0"/>
+              <a:t>Permette un elevato grado di isolamento</a:t>
+            </a:r>
+          </a:p>
+          <a:p>
+            <a:pPr marL="342900" indent="-342900">
+              <a:lnSpc>
+                <a:spcPct val="150000"/>
+              </a:lnSpc>
+              <a:buFont typeface="Wingdings" panose="05000000000000000000" pitchFamily="2" charset="2"/>
+              <a:buChar char="v"/>
+            </a:pPr>
+            <a:r>
+              <a:rPr lang="it-IT" sz="2400" dirty="0"/>
+              <a:t>Standardizza gli ambienti di sviluppo</a:t>
+            </a:r>
+          </a:p>
+          <a:p>
+            <a:pPr marL="342900" indent="-342900">
+              <a:lnSpc>
+                <a:spcPct val="150000"/>
+              </a:lnSpc>
+              <a:buFont typeface="Wingdings" panose="05000000000000000000" pitchFamily="2" charset="2"/>
+              <a:buChar char="v"/>
+            </a:pPr>
+            <a:r>
+              <a:rPr lang="it-IT" sz="2400" dirty="0"/>
+              <a:t>Facilita il deployment su ambienti diversi</a:t>
+            </a:r>
+          </a:p>
+          <a:p>
+            <a:pPr marL="342900" indent="-342900">
+              <a:lnSpc>
+                <a:spcPct val="150000"/>
+              </a:lnSpc>
+              <a:buFont typeface="Wingdings" panose="05000000000000000000" pitchFamily="2" charset="2"/>
+              <a:buChar char="v"/>
+            </a:pPr>
+            <a:r>
+              <a:rPr lang="it-IT" sz="2400" dirty="0"/>
+              <a:t>Permette l’utilizzo simultaneo di versioni differenti del software</a:t>
+            </a:r>
+          </a:p>
+          <a:p>
+            <a:pPr marL="342900" indent="-342900">
+              <a:lnSpc>
+                <a:spcPct val="150000"/>
+              </a:lnSpc>
+              <a:buFont typeface="Wingdings" panose="05000000000000000000" pitchFamily="2" charset="2"/>
+              <a:buChar char="v"/>
+            </a:pPr>
+            <a:r>
+              <a:rPr lang="it-IT" sz="2400" dirty="0"/>
+              <a:t>Favorisce il riutilizzo di componenti già esistenti</a:t>
+            </a:r>
+          </a:p>
+          <a:p>
+            <a:pPr marL="342900" indent="-342900">
+              <a:lnSpc>
+                <a:spcPct val="150000"/>
+              </a:lnSpc>
+              <a:buFont typeface="Wingdings" panose="05000000000000000000" pitchFamily="2" charset="2"/>
+              <a:buChar char="v"/>
+            </a:pPr>
+            <a:r>
+              <a:rPr lang="it-IT" sz="2400" dirty="0"/>
+              <a:t>Le immagini </a:t>
+            </a:r>
+            <a:r>
+              <a:rPr lang="it-IT" sz="2400" dirty="0" err="1"/>
+              <a:t>docker</a:t>
+            </a:r>
+            <a:r>
+              <a:rPr lang="it-IT" sz="2400" dirty="0"/>
+              <a:t> supportano il </a:t>
+            </a:r>
+            <a:r>
+              <a:rPr lang="it-IT" sz="2400" dirty="0" err="1"/>
+              <a:t>versioning</a:t>
+            </a:r>
+            <a:endParaRPr lang="it-IT" sz="2400" dirty="0"/>
+          </a:p>
+          <a:p>
+            <a:pPr marL="342900" indent="-342900">
+              <a:lnSpc>
+                <a:spcPct val="150000"/>
+              </a:lnSpc>
+              <a:buFont typeface="Wingdings" panose="05000000000000000000" pitchFamily="2" charset="2"/>
+              <a:buChar char="v"/>
+            </a:pPr>
+            <a:r>
+              <a:rPr lang="it-IT" sz="2400" dirty="0"/>
+              <a:t>Semplifica le procedure di backup e ripristino in caso di problemi</a:t>
+            </a:r>
+          </a:p>
+          <a:p>
+            <a:endParaRPr lang="it-IT" sz="2400" dirty="0"/>
+          </a:p>
+        </p:txBody>
+      </p:sp>
+    </p:spTree>
+    <p:extLst>
+      <p:ext uri="{BB962C8B-B14F-4D97-AF65-F5344CB8AC3E}">
+        <p14:creationId xmlns:p14="http://schemas.microsoft.com/office/powerpoint/2010/main" val="3612349171"/>
+      </p:ext>
+    </p:extLst>
+  </p:cSld>
+  <p:clrMapOvr>
+    <a:masterClrMapping/>
+  </p:clrMapOvr>
+</p:sld>
+</file>
+
+<file path=ppt/slides/slide7.xml><?xml version="1.0" encoding="utf-8"?>
+<p:sld xmlns:a="http://schemas.openxmlformats.org/drawingml/2006/main" xmlns:r="http://schemas.openxmlformats.org/officeDocument/2006/relationships" xmlns:p="http://schemas.openxmlformats.org/presentationml/2006/main">
+  <p:cSld>
+    <p:spTree>
+      <p:nvGrpSpPr>
+        <p:cNvPr id="1" name=""/>
+        <p:cNvGrpSpPr/>
+        <p:nvPr/>
+      </p:nvGrpSpPr>
+      <p:grpSpPr>
+        <a:xfrm>
+          <a:off x="0" y="0"/>
+          <a:ext cx="0" cy="0"/>
+          <a:chOff x="0" y="0"/>
+          <a:chExt cx="0" cy="0"/>
+        </a:xfrm>
+      </p:grpSpPr>
+      <p:sp>
+        <p:nvSpPr>
+          <p:cNvPr id="2" name="Titolo 1">
+            <a:extLst>
+              <a:ext uri="{FF2B5EF4-FFF2-40B4-BE49-F238E27FC236}">
+                <a16:creationId xmlns:a16="http://schemas.microsoft.com/office/drawing/2014/main" id="{FF946D09-C2C2-4E28-B119-8DF0640FF180}"/>
+              </a:ext>
+            </a:extLst>
+          </p:cNvPr>
+          <p:cNvSpPr>
+            <a:spLocks noGrp="1"/>
+          </p:cNvSpPr>
+          <p:nvPr>
+            <p:ph type="title"/>
+          </p:nvPr>
+        </p:nvSpPr>
+        <p:spPr>
+          <a:xfrm>
+            <a:off x="1141413" y="618518"/>
+            <a:ext cx="9905998" cy="966063"/>
+          </a:xfrm>
+        </p:spPr>
+        <p:txBody>
+          <a:bodyPr/>
+          <a:lstStyle/>
+          <a:p>
+            <a:r>
+              <a:rPr lang="it-IT" dirty="0">
+                <a:latin typeface="Calibri" panose="020F0502020204030204" pitchFamily="34" charset="0"/>
+                <a:cs typeface="Calibri" panose="020F0502020204030204" pitchFamily="34" charset="0"/>
+              </a:rPr>
+              <a:t>svantaggi</a:t>
+            </a:r>
+          </a:p>
+        </p:txBody>
+      </p:sp>
+      <p:pic>
+        <p:nvPicPr>
+          <p:cNvPr id="9" name="Immagine 8">
+            <a:extLst>
+              <a:ext uri="{FF2B5EF4-FFF2-40B4-BE49-F238E27FC236}">
+                <a16:creationId xmlns:a16="http://schemas.microsoft.com/office/drawing/2014/main" id="{FEB5DEA8-0513-4F71-AC43-6C50E6EDAEFF}"/>
+              </a:ext>
+            </a:extLst>
+          </p:cNvPr>
+          <p:cNvPicPr>
+            <a:picLocks noChangeAspect="1"/>
+          </p:cNvPicPr>
+          <p:nvPr/>
+        </p:nvPicPr>
+        <p:blipFill>
+          <a:blip r:embed="rId2"/>
+          <a:stretch>
+            <a:fillRect/>
+          </a:stretch>
+        </p:blipFill>
+        <p:spPr>
+          <a:xfrm>
+            <a:off x="10086798" y="102141"/>
+            <a:ext cx="1412776" cy="1169073"/>
+          </a:xfrm>
+          <a:prstGeom prst="rect">
+            <a:avLst/>
+          </a:prstGeom>
+        </p:spPr>
+      </p:pic>
+      <p:sp>
+        <p:nvSpPr>
+          <p:cNvPr id="5" name="CasellaDiTesto 4">
+            <a:extLst>
+              <a:ext uri="{FF2B5EF4-FFF2-40B4-BE49-F238E27FC236}">
+                <a16:creationId xmlns:a16="http://schemas.microsoft.com/office/drawing/2014/main" id="{12414A23-1D62-42FF-BCEF-5BA5F286CD16}"/>
+              </a:ext>
+            </a:extLst>
+          </p:cNvPr>
+          <p:cNvSpPr txBox="1"/>
+          <p:nvPr/>
+        </p:nvSpPr>
+        <p:spPr>
+          <a:xfrm>
+            <a:off x="973326" y="2156759"/>
+            <a:ext cx="9768745" cy="1694823"/>
+          </a:xfrm>
+          <a:prstGeom prst="rect">
+            <a:avLst/>
+          </a:prstGeom>
+          <a:noFill/>
+        </p:spPr>
+        <p:txBody>
+          <a:bodyPr wrap="square" rtlCol="0">
+            <a:spAutoFit/>
+          </a:bodyPr>
+          <a:lstStyle/>
+          <a:p>
+            <a:pPr marL="342900" indent="-342900">
+              <a:lnSpc>
+                <a:spcPct val="150000"/>
+              </a:lnSpc>
+              <a:buFont typeface="Wingdings" panose="05000000000000000000" pitchFamily="2" charset="2"/>
+              <a:buChar char="v"/>
+            </a:pPr>
+            <a:r>
+              <a:rPr lang="it-IT" sz="2400" dirty="0"/>
+              <a:t>Nonostante un uso più efficiente delle risorse rispetto alle Virtual Machine sono soggetti a sovraccarico di prestazioni</a:t>
+            </a:r>
+          </a:p>
+          <a:p>
+            <a:pPr marL="342900" indent="-342900">
+              <a:lnSpc>
+                <a:spcPct val="150000"/>
+              </a:lnSpc>
+              <a:buFont typeface="Wingdings" panose="05000000000000000000" pitchFamily="2" charset="2"/>
+              <a:buChar char="v"/>
+            </a:pPr>
+            <a:endParaRPr lang="it-IT" sz="2400" dirty="0"/>
+          </a:p>
+        </p:txBody>
+      </p:sp>
+    </p:spTree>
+    <p:extLst>
+      <p:ext uri="{BB962C8B-B14F-4D97-AF65-F5344CB8AC3E}">
+        <p14:creationId xmlns:p14="http://schemas.microsoft.com/office/powerpoint/2010/main" val="3609020406"/>
+      </p:ext>
+    </p:extLst>
+  </p:cSld>
+  <p:clrMapOvr>
+    <a:masterClrMapping/>
+  </p:clrMapOvr>
+</p:sld>
+</file>
+
+<file path=ppt/slides/slide8.xml><?xml version="1.0" encoding="utf-8"?>
+<p:sld xmlns:a="http://schemas.openxmlformats.org/drawingml/2006/main" xmlns:r="http://schemas.openxmlformats.org/officeDocument/2006/relationships" xmlns:p="http://schemas.openxmlformats.org/presentationml/2006/main">
+  <p:cSld>
+    <p:spTree>
+      <p:nvGrpSpPr>
+        <p:cNvPr id="1" name=""/>
+        <p:cNvGrpSpPr/>
+        <p:nvPr/>
+      </p:nvGrpSpPr>
+      <p:grpSpPr>
+        <a:xfrm>
+          <a:off x="0" y="0"/>
+          <a:ext cx="0" cy="0"/>
+          <a:chOff x="0" y="0"/>
+          <a:chExt cx="0" cy="0"/>
+        </a:xfrm>
+      </p:grpSpPr>
+      <p:sp>
+        <p:nvSpPr>
+          <p:cNvPr id="2" name="Titolo 1">
+            <a:extLst>
+              <a:ext uri="{FF2B5EF4-FFF2-40B4-BE49-F238E27FC236}">
+                <a16:creationId xmlns:a16="http://schemas.microsoft.com/office/drawing/2014/main" id="{FF946D09-C2C2-4E28-B119-8DF0640FF180}"/>
+              </a:ext>
+            </a:extLst>
+          </p:cNvPr>
+          <p:cNvSpPr>
+            <a:spLocks noGrp="1"/>
+          </p:cNvSpPr>
+          <p:nvPr>
+            <p:ph type="title"/>
+          </p:nvPr>
+        </p:nvSpPr>
+        <p:spPr>
+          <a:xfrm>
+            <a:off x="1141413" y="618518"/>
+            <a:ext cx="9905998" cy="966063"/>
+          </a:xfrm>
+        </p:spPr>
+        <p:txBody>
+          <a:bodyPr/>
+          <a:lstStyle/>
+          <a:p>
+            <a:r>
+              <a:rPr lang="it-IT" dirty="0">
+                <a:latin typeface="Calibri" panose="020F0502020204030204" pitchFamily="34" charset="0"/>
+                <a:cs typeface="Calibri" panose="020F0502020204030204" pitchFamily="34" charset="0"/>
+              </a:rPr>
+              <a:t>installazione</a:t>
+            </a:r>
+          </a:p>
+        </p:txBody>
+      </p:sp>
+      <p:pic>
+        <p:nvPicPr>
+          <p:cNvPr id="9" name="Immagine 8">
+            <a:extLst>
+              <a:ext uri="{FF2B5EF4-FFF2-40B4-BE49-F238E27FC236}">
+                <a16:creationId xmlns:a16="http://schemas.microsoft.com/office/drawing/2014/main" id="{FEB5DEA8-0513-4F71-AC43-6C50E6EDAEFF}"/>
+              </a:ext>
+            </a:extLst>
+          </p:cNvPr>
+          <p:cNvPicPr>
+            <a:picLocks noChangeAspect="1"/>
+          </p:cNvPicPr>
+          <p:nvPr/>
+        </p:nvPicPr>
+        <p:blipFill>
+          <a:blip r:embed="rId2"/>
+          <a:stretch>
+            <a:fillRect/>
+          </a:stretch>
+        </p:blipFill>
+        <p:spPr>
+          <a:xfrm>
+            <a:off x="10086798" y="102141"/>
+            <a:ext cx="1412776" cy="1169073"/>
+          </a:xfrm>
+          <a:prstGeom prst="rect">
+            <a:avLst/>
+          </a:prstGeom>
+        </p:spPr>
+      </p:pic>
+      <p:sp>
+        <p:nvSpPr>
+          <p:cNvPr id="5" name="CasellaDiTesto 4">
+            <a:extLst>
+              <a:ext uri="{FF2B5EF4-FFF2-40B4-BE49-F238E27FC236}">
+                <a16:creationId xmlns:a16="http://schemas.microsoft.com/office/drawing/2014/main" id="{12414A23-1D62-42FF-BCEF-5BA5F286CD16}"/>
+              </a:ext>
+            </a:extLst>
+          </p:cNvPr>
+          <p:cNvSpPr txBox="1"/>
+          <p:nvPr/>
+        </p:nvSpPr>
+        <p:spPr>
+          <a:xfrm>
+            <a:off x="973326" y="2156759"/>
+            <a:ext cx="4223419" cy="586827"/>
+          </a:xfrm>
+          <a:prstGeom prst="rect">
+            <a:avLst/>
+          </a:prstGeom>
+          <a:noFill/>
+        </p:spPr>
+        <p:txBody>
+          <a:bodyPr wrap="square" rtlCol="0">
+            <a:spAutoFit/>
+          </a:bodyPr>
+          <a:lstStyle/>
+          <a:p>
+            <a:pPr>
+              <a:lnSpc>
+                <a:spcPct val="150000"/>
+              </a:lnSpc>
+            </a:pPr>
+            <a:endParaRPr lang="it-IT" sz="2400" dirty="0"/>
+          </a:p>
+        </p:txBody>
+      </p:sp>
+      <p:sp>
+        <p:nvSpPr>
+          <p:cNvPr id="3" name="CasellaDiTesto 2">
+            <a:extLst>
+              <a:ext uri="{FF2B5EF4-FFF2-40B4-BE49-F238E27FC236}">
+                <a16:creationId xmlns:a16="http://schemas.microsoft.com/office/drawing/2014/main" id="{66077413-B2F3-42E2-837C-88274D6576E3}"/>
+              </a:ext>
+            </a:extLst>
+          </p:cNvPr>
+          <p:cNvSpPr txBox="1"/>
+          <p:nvPr/>
+        </p:nvSpPr>
+        <p:spPr>
+          <a:xfrm>
+            <a:off x="1141413" y="1919672"/>
+            <a:ext cx="9433822" cy="1569660"/>
+          </a:xfrm>
+          <a:prstGeom prst="rect">
+            <a:avLst/>
+          </a:prstGeom>
+          <a:noFill/>
+        </p:spPr>
+        <p:txBody>
+          <a:bodyPr wrap="square" rtlCol="0">
+            <a:spAutoFit/>
+          </a:bodyPr>
+          <a:lstStyle/>
+          <a:p>
+            <a:r>
+              <a:rPr lang="it-IT" sz="2400" dirty="0"/>
+              <a:t>Per poter utilizzare </a:t>
+            </a:r>
+            <a:r>
+              <a:rPr lang="it-IT" sz="2400" dirty="0" err="1"/>
+              <a:t>docker</a:t>
+            </a:r>
+            <a:r>
+              <a:rPr lang="it-IT" sz="2400" dirty="0"/>
+              <a:t> è necessario soddisfare determinati prerequisiti hardware e poi procedere all’installazione specifica sul proprio sistema operativo (</a:t>
+            </a:r>
+            <a:r>
+              <a:rPr lang="it-IT" sz="2400" dirty="0">
+                <a:hlinkClick r:id="rId3"/>
+              </a:rPr>
+              <a:t>https://docs.docker.com/get-docker/</a:t>
+            </a:r>
+            <a:r>
+              <a:rPr lang="it-IT" sz="2400" dirty="0"/>
+              <a:t>)</a:t>
+            </a:r>
+          </a:p>
+          <a:p>
+            <a:endParaRPr lang="it-IT" sz="2400" dirty="0"/>
+          </a:p>
+        </p:txBody>
+      </p:sp>
+    </p:spTree>
+    <p:extLst>
+      <p:ext uri="{BB962C8B-B14F-4D97-AF65-F5344CB8AC3E}">
+        <p14:creationId xmlns:p14="http://schemas.microsoft.com/office/powerpoint/2010/main" val="3540397556"/>
       </p:ext>
     </p:extLst>
   </p:cSld>
